--- a/RADAR.pptx
+++ b/RADAR.pptx
@@ -9,6 +9,7 @@
     <p:sldId id="261" r:id="rId3"/>
     <p:sldId id="258" r:id="rId4"/>
     <p:sldId id="259" r:id="rId5"/>
+    <p:sldId id="262" r:id="rId6"/>
   </p:sldIdLst>
   <p:sldSz cx="12192000" cy="6858000"/>
   <p:notesSz cx="6858000" cy="9144000"/>
@@ -107,6 +108,11 @@
       </a:defRPr>
     </a:lvl9pPr>
   </p:defaultTextStyle>
+  <p:extLst>
+    <p:ext uri="{EFAFB233-063F-42B5-8137-9DF3F51BA10A}">
+      <p15:sldGuideLst xmlns:p15="http://schemas.microsoft.com/office/powerpoint/2012/main"/>
+    </p:ext>
+  </p:extLst>
 </p:presentation>
 </file>
 
@@ -336,7 +342,7 @@
           <a:p>
             <a:fld id="{FA1D7A68-54EB-4BF5-B415-E70C5CDCA360}" type="datetimeFigureOut">
               <a:rPr lang="en-US" smtClean="0"/>
-              <a:t>10/24/2022</a:t>
+              <a:t>10/25/2022</a:t>
             </a:fld>
             <a:endParaRPr lang="en-US"/>
           </a:p>
@@ -544,7 +550,7 @@
           <a:p>
             <a:fld id="{FA1D7A68-54EB-4BF5-B415-E70C5CDCA360}" type="datetimeFigureOut">
               <a:rPr lang="en-US" smtClean="0"/>
-              <a:t>10/24/2022</a:t>
+              <a:t>10/25/2022</a:t>
             </a:fld>
             <a:endParaRPr lang="en-US"/>
           </a:p>
@@ -800,7 +806,7 @@
           <a:p>
             <a:fld id="{FA1D7A68-54EB-4BF5-B415-E70C5CDCA360}" type="datetimeFigureOut">
               <a:rPr lang="en-US" smtClean="0"/>
-              <a:t>10/24/2022</a:t>
+              <a:t>10/25/2022</a:t>
             </a:fld>
             <a:endParaRPr lang="en-US"/>
           </a:p>
@@ -970,7 +976,7 @@
           <a:p>
             <a:fld id="{FA1D7A68-54EB-4BF5-B415-E70C5CDCA360}" type="datetimeFigureOut">
               <a:rPr lang="en-US" smtClean="0"/>
-              <a:t>10/24/2022</a:t>
+              <a:t>10/25/2022</a:t>
             </a:fld>
             <a:endParaRPr lang="en-US"/>
           </a:p>
@@ -1313,7 +1319,7 @@
           <a:p>
             <a:fld id="{FA1D7A68-54EB-4BF5-B415-E70C5CDCA360}" type="datetimeFigureOut">
               <a:rPr lang="en-US" smtClean="0"/>
-              <a:t>10/24/2022</a:t>
+              <a:t>10/25/2022</a:t>
             </a:fld>
             <a:endParaRPr lang="en-US"/>
           </a:p>
@@ -1588,7 +1594,7 @@
           <a:p>
             <a:fld id="{FA1D7A68-54EB-4BF5-B415-E70C5CDCA360}" type="datetimeFigureOut">
               <a:rPr lang="en-US" smtClean="0"/>
-              <a:t>10/24/2022</a:t>
+              <a:t>10/25/2022</a:t>
             </a:fld>
             <a:endParaRPr lang="en-US"/>
           </a:p>
@@ -1967,7 +1973,7 @@
           <a:p>
             <a:fld id="{FA1D7A68-54EB-4BF5-B415-E70C5CDCA360}" type="datetimeFigureOut">
               <a:rPr lang="en-US" smtClean="0"/>
-              <a:t>10/24/2022</a:t>
+              <a:t>10/25/2022</a:t>
             </a:fld>
             <a:endParaRPr lang="en-US"/>
           </a:p>
@@ -2085,7 +2091,7 @@
           <a:p>
             <a:fld id="{FA1D7A68-54EB-4BF5-B415-E70C5CDCA360}" type="datetimeFigureOut">
               <a:rPr lang="en-US" smtClean="0"/>
-              <a:t>10/24/2022</a:t>
+              <a:t>10/25/2022</a:t>
             </a:fld>
             <a:endParaRPr lang="en-US"/>
           </a:p>
@@ -2256,7 +2262,7 @@
           <a:p>
             <a:fld id="{FA1D7A68-54EB-4BF5-B415-E70C5CDCA360}" type="datetimeFigureOut">
               <a:rPr lang="en-US" smtClean="0"/>
-              <a:t>10/24/2022</a:t>
+              <a:t>10/25/2022</a:t>
             </a:fld>
             <a:endParaRPr lang="en-US"/>
           </a:p>
@@ -2610,7 +2616,7 @@
           <a:p>
             <a:fld id="{FA1D7A68-54EB-4BF5-B415-E70C5CDCA360}" type="datetimeFigureOut">
               <a:rPr lang="en-US" smtClean="0"/>
-              <a:t>10/24/2022</a:t>
+              <a:t>10/25/2022</a:t>
             </a:fld>
             <a:endParaRPr lang="en-US"/>
           </a:p>
@@ -2987,7 +2993,7 @@
           <a:p>
             <a:fld id="{FA1D7A68-54EB-4BF5-B415-E70C5CDCA360}" type="datetimeFigureOut">
               <a:rPr lang="en-US" smtClean="0"/>
-              <a:t>10/24/2022</a:t>
+              <a:t>10/25/2022</a:t>
             </a:fld>
             <a:endParaRPr lang="en-US"/>
           </a:p>
@@ -3274,7 +3280,7 @@
           <a:p>
             <a:fld id="{FA1D7A68-54EB-4BF5-B415-E70C5CDCA360}" type="datetimeFigureOut">
               <a:rPr lang="en-US" smtClean="0"/>
-              <a:t>10/24/2022</a:t>
+              <a:t>10/25/2022</a:t>
             </a:fld>
             <a:endParaRPr lang="en-US"/>
           </a:p>
@@ -5603,6 +5609,168 @@
 </p:sld>
 </file>
 
+<file path=ppt/slides/slide5.xml><?xml version="1.0" encoding="utf-8"?>
+<p:sld xmlns:a="http://schemas.openxmlformats.org/drawingml/2006/main" xmlns:r="http://schemas.openxmlformats.org/officeDocument/2006/relationships" xmlns:p="http://schemas.openxmlformats.org/presentationml/2006/main">
+  <p:cSld>
+    <p:spTree>
+      <p:nvGrpSpPr>
+        <p:cNvPr id="1" name=""/>
+        <p:cNvGrpSpPr/>
+        <p:nvPr/>
+      </p:nvGrpSpPr>
+      <p:grpSpPr>
+        <a:xfrm>
+          <a:off x="0" y="0"/>
+          <a:ext cx="0" cy="0"/>
+          <a:chOff x="0" y="0"/>
+          <a:chExt cx="0" cy="0"/>
+        </a:xfrm>
+      </p:grpSpPr>
+      <p:pic>
+        <p:nvPicPr>
+          <p:cNvPr id="3" name="Picture 2">
+            <a:extLst>
+              <a:ext uri="{FF2B5EF4-FFF2-40B4-BE49-F238E27FC236}">
+                <a16:creationId xmlns:a16="http://schemas.microsoft.com/office/drawing/2014/main" id="{BEA6265D-D8FE-52D2-1DF4-0245869AF7CE}"/>
+              </a:ext>
+            </a:extLst>
+          </p:cNvPr>
+          <p:cNvPicPr>
+            <a:picLocks noChangeAspect="1"/>
+          </p:cNvPicPr>
+          <p:nvPr/>
+        </p:nvPicPr>
+        <p:blipFill>
+          <a:blip r:embed="rId2"/>
+          <a:stretch>
+            <a:fillRect/>
+          </a:stretch>
+        </p:blipFill>
+        <p:spPr>
+          <a:xfrm>
+            <a:off x="6396546" y="1639711"/>
+            <a:ext cx="5718164" cy="3399594"/>
+          </a:xfrm>
+          <a:prstGeom prst="rect">
+            <a:avLst/>
+          </a:prstGeom>
+        </p:spPr>
+      </p:pic>
+      <p:pic>
+        <p:nvPicPr>
+          <p:cNvPr id="4" name="Picture 3">
+            <a:extLst>
+              <a:ext uri="{FF2B5EF4-FFF2-40B4-BE49-F238E27FC236}">
+                <a16:creationId xmlns:a16="http://schemas.microsoft.com/office/drawing/2014/main" id="{8E58DCB2-D5CF-1159-FF39-42A6A32AF105}"/>
+              </a:ext>
+            </a:extLst>
+          </p:cNvPr>
+          <p:cNvPicPr>
+            <a:picLocks noChangeAspect="1"/>
+          </p:cNvPicPr>
+          <p:nvPr/>
+        </p:nvPicPr>
+        <p:blipFill>
+          <a:blip r:embed="rId3"/>
+          <a:stretch>
+            <a:fillRect/>
+          </a:stretch>
+        </p:blipFill>
+        <p:spPr>
+          <a:xfrm>
+            <a:off x="27244" y="1563511"/>
+            <a:ext cx="6369302" cy="3475794"/>
+          </a:xfrm>
+          <a:prstGeom prst="rect">
+            <a:avLst/>
+          </a:prstGeom>
+        </p:spPr>
+      </p:pic>
+      <p:sp>
+        <p:nvSpPr>
+          <p:cNvPr id="5" name="TextBox 4">
+            <a:extLst>
+              <a:ext uri="{FF2B5EF4-FFF2-40B4-BE49-F238E27FC236}">
+                <a16:creationId xmlns:a16="http://schemas.microsoft.com/office/drawing/2014/main" id="{3F2A6061-C35D-769F-25F3-13F99DBE70E0}"/>
+              </a:ext>
+            </a:extLst>
+          </p:cNvPr>
+          <p:cNvSpPr txBox="1"/>
+          <p:nvPr/>
+        </p:nvSpPr>
+        <p:spPr>
+          <a:xfrm>
+            <a:off x="0" y="1117979"/>
+            <a:ext cx="6396546" cy="400110"/>
+          </a:xfrm>
+          <a:prstGeom prst="rect">
+            <a:avLst/>
+          </a:prstGeom>
+          <a:noFill/>
+        </p:spPr>
+        <p:txBody>
+          <a:bodyPr wrap="square" rtlCol="0">
+            <a:spAutoFit/>
+          </a:bodyPr>
+          <a:lstStyle/>
+          <a:p>
+            <a:pPr algn="ctr"/>
+            <a:r>
+              <a:rPr lang="en-US" sz="2000" dirty="0"/>
+              <a:t>Sample Azimuth Separation Test case </a:t>
+            </a:r>
+          </a:p>
+        </p:txBody>
+      </p:sp>
+      <p:sp>
+        <p:nvSpPr>
+          <p:cNvPr id="7" name="TextBox 6">
+            <a:extLst>
+              <a:ext uri="{FF2B5EF4-FFF2-40B4-BE49-F238E27FC236}">
+                <a16:creationId xmlns:a16="http://schemas.microsoft.com/office/drawing/2014/main" id="{B4100EFC-3530-A209-C3C0-A1CE4EA79A46}"/>
+              </a:ext>
+            </a:extLst>
+          </p:cNvPr>
+          <p:cNvSpPr txBox="1"/>
+          <p:nvPr/>
+        </p:nvSpPr>
+        <p:spPr>
+          <a:xfrm>
+            <a:off x="6396546" y="1232279"/>
+            <a:ext cx="5718164" cy="400110"/>
+          </a:xfrm>
+          <a:prstGeom prst="rect">
+            <a:avLst/>
+          </a:prstGeom>
+          <a:noFill/>
+        </p:spPr>
+        <p:txBody>
+          <a:bodyPr wrap="square">
+            <a:spAutoFit/>
+          </a:bodyPr>
+          <a:lstStyle/>
+          <a:p>
+            <a:pPr algn="ctr"/>
+            <a:r>
+              <a:rPr lang="en-US" sz="2000" dirty="0"/>
+              <a:t>Sample Elevation Separation  Test case </a:t>
+            </a:r>
+          </a:p>
+        </p:txBody>
+      </p:sp>
+    </p:spTree>
+    <p:extLst>
+      <p:ext uri="{BB962C8B-B14F-4D97-AF65-F5344CB8AC3E}">
+        <p14:creationId xmlns:p14="http://schemas.microsoft.com/office/powerpoint/2010/main" val="1012147261"/>
+      </p:ext>
+    </p:extLst>
+  </p:cSld>
+  <p:clrMapOvr>
+    <a:masterClrMapping/>
+  </p:clrMapOvr>
+</p:sld>
+</file>
+
 <file path=ppt/theme/theme1.xml><?xml version="1.0" encoding="utf-8"?>
 <a:theme xmlns:a="http://schemas.openxmlformats.org/drawingml/2006/main" name="Retrospect">
   <a:themeElements>
